--- a/doc/usage.pptx
+++ b/doc/usage.pptx
@@ -3344,10 +3344,10 @@
       </p:grpSpPr>
       <p:pic>
         <p:nvPicPr>
-          <p:cNvPr id="4" name="Picture 3">
-            <a:extLst>
-              <a:ext uri="{FF2B5EF4-FFF2-40B4-BE49-F238E27FC236}">
-                <a16:creationId xmlns:a16="http://schemas.microsoft.com/office/drawing/2014/main" id="{A5705405-C9E3-452A-8886-C45DE71FEF84}"/>
+          <p:cNvPr id="62" name="Picture 61">
+            <a:extLst>
+              <a:ext uri="{FF2B5EF4-FFF2-40B4-BE49-F238E27FC236}">
+                <a16:creationId xmlns:a16="http://schemas.microsoft.com/office/drawing/2014/main" id="{EA885A06-2D08-405C-AE9A-52B44A56B595}"/>
               </a:ext>
             </a:extLst>
           </p:cNvPr>
@@ -3356,16 +3356,15 @@
           </p:cNvPicPr>
           <p:nvPr/>
         </p:nvPicPr>
-        <p:blipFill>
+        <p:blipFill rotWithShape="1">
           <a:blip r:embed="rId2"/>
-          <a:stretch>
-            <a:fillRect/>
-          </a:stretch>
+          <a:srcRect l="-1" r="163"/>
+          <a:stretch/>
         </p:blipFill>
         <p:spPr>
           <a:xfrm>
-            <a:off x="478835" y="1479505"/>
-            <a:ext cx="11077575" cy="3324225"/>
+            <a:off x="222068" y="1138392"/>
+            <a:ext cx="11646082" cy="4454936"/>
           </a:xfrm>
           <a:prstGeom prst="rect">
             <a:avLst/>
@@ -3386,7 +3385,7 @@
         </p:nvSpPr>
         <p:spPr>
           <a:xfrm>
-            <a:off x="6171904" y="3163587"/>
+            <a:off x="7837714" y="2366753"/>
             <a:ext cx="535577" cy="522514"/>
           </a:xfrm>
           <a:prstGeom prst="ellipse">
@@ -3445,7 +3444,7 @@
         </p:nvSpPr>
         <p:spPr>
           <a:xfrm>
-            <a:off x="7027817" y="2534193"/>
+            <a:off x="8608422" y="2076993"/>
             <a:ext cx="341515" cy="311529"/>
           </a:xfrm>
           <a:prstGeom prst="ellipse">
@@ -3508,8 +3507,8 @@
         </p:nvCxnSpPr>
         <p:spPr>
           <a:xfrm flipV="1">
-            <a:off x="7369332" y="1271672"/>
-            <a:ext cx="2191743" cy="1418286"/>
+            <a:off x="8949937" y="971226"/>
+            <a:ext cx="1616978" cy="1261532"/>
           </a:xfrm>
           <a:prstGeom prst="bentConnector2">
             <a:avLst/>
@@ -3549,7 +3548,7 @@
         </p:nvSpPr>
         <p:spPr>
           <a:xfrm>
-            <a:off x="6949440" y="287383"/>
+            <a:off x="8281851" y="169817"/>
             <a:ext cx="3203954" cy="369332"/>
           </a:xfrm>
           <a:prstGeom prst="rect">
@@ -3593,7 +3592,7 @@
         </p:nvSpPr>
         <p:spPr>
           <a:xfrm>
-            <a:off x="8238309" y="902340"/>
+            <a:off x="9244149" y="601894"/>
             <a:ext cx="2645532" cy="369332"/>
           </a:xfrm>
           <a:prstGeom prst="rect">
@@ -3640,8 +3639,8 @@
         </p:nvCxnSpPr>
         <p:spPr>
           <a:xfrm rot="5400000" flipH="1" flipV="1">
-            <a:off x="5348797" y="1562945"/>
-            <a:ext cx="2691538" cy="509747"/>
+            <a:off x="7187542" y="1272444"/>
+            <a:ext cx="2012270" cy="176348"/>
           </a:xfrm>
           <a:prstGeom prst="bentConnector2">
             <a:avLst/>
@@ -3684,8 +3683,8 @@
         </p:nvCxnSpPr>
         <p:spPr>
           <a:xfrm flipV="1">
-            <a:off x="5766760" y="3879671"/>
-            <a:ext cx="1483126" cy="1598020"/>
+            <a:off x="7843754" y="2978332"/>
+            <a:ext cx="999800" cy="2965266"/>
           </a:xfrm>
           <a:prstGeom prst="line">
             <a:avLst/>
@@ -3725,7 +3724,7 @@
         </p:nvSpPr>
         <p:spPr>
           <a:xfrm>
-            <a:off x="4968240" y="5477691"/>
+            <a:off x="7045234" y="5943598"/>
             <a:ext cx="1597040" cy="646331"/>
           </a:xfrm>
           <a:prstGeom prst="rect">
@@ -3789,8 +3788,8 @@
         </p:nvSpPr>
         <p:spPr>
           <a:xfrm>
-            <a:off x="7595067" y="5460273"/>
-            <a:ext cx="1439818" cy="646331"/>
+            <a:off x="8994091" y="5943598"/>
+            <a:ext cx="3135410" cy="646331"/>
           </a:xfrm>
           <a:prstGeom prst="rect">
             <a:avLst/>
@@ -3810,12 +3809,31 @@
             </a:r>
             <a:r>
               <a:rPr lang="de-DE" dirty="0" err="1"/>
-              <a:t>names</a:t>
-            </a:r>
-            <a:endParaRPr lang="de-DE" dirty="0"/>
-          </a:p>
-          <a:p>
-            <a:pPr algn="ctr"/>
+              <a:t>visibility</a:t>
+            </a:r>
+            <a:r>
+              <a:rPr lang="de-DE" dirty="0"/>
+              <a:t>, </a:t>
+            </a:r>
+            <a:r>
+              <a:rPr lang="de-DE" dirty="0" err="1"/>
+              <a:t>name</a:t>
+            </a:r>
+            <a:r>
+              <a:rPr lang="de-DE" dirty="0"/>
+              <a:t> and </a:t>
+            </a:r>
+            <a:r>
+              <a:rPr lang="de-DE" dirty="0" err="1"/>
+              <a:t>color</a:t>
+            </a:r>
+            <a:r>
+              <a:rPr lang="de-DE" dirty="0"/>
+              <a:t> </a:t>
+            </a:r>
+            <a:br>
+              <a:rPr lang="de-DE" dirty="0"/>
+            </a:br>
             <a:r>
               <a:rPr lang="de-DE" dirty="0"/>
               <a:t>(double </a:t>
@@ -3848,8 +3866,8 @@
         </p:nvCxnSpPr>
         <p:spPr>
           <a:xfrm flipH="1" flipV="1">
-            <a:off x="7720150" y="4506687"/>
-            <a:ext cx="594826" cy="953586"/>
+            <a:off x="9575074" y="3500846"/>
+            <a:ext cx="986722" cy="2442752"/>
           </a:xfrm>
           <a:prstGeom prst="line">
             <a:avLst/>
@@ -3886,14 +3904,14 @@
           </p:cNvPr>
           <p:cNvCxnSpPr>
             <a:cxnSpLocks/>
-            <a:stCxn id="34" idx="0"/>
+            <a:stCxn id="25" idx="0"/>
           </p:cNvCxnSpPr>
           <p:nvPr/>
         </p:nvCxnSpPr>
         <p:spPr>
-          <a:xfrm flipH="1" flipV="1">
-            <a:off x="10583663" y="4506687"/>
-            <a:ext cx="59663" cy="988420"/>
+          <a:xfrm flipV="1">
+            <a:off x="10561796" y="3513910"/>
+            <a:ext cx="554695" cy="2429688"/>
           </a:xfrm>
           <a:prstGeom prst="line">
             <a:avLst/>
@@ -3919,134 +3937,50 @@
           </a:fontRef>
         </p:style>
       </p:cxnSp>
-      <p:sp>
-        <p:nvSpPr>
-          <p:cNvPr id="34" name="TextBox 33">
-            <a:extLst>
-              <a:ext uri="{FF2B5EF4-FFF2-40B4-BE49-F238E27FC236}">
-                <a16:creationId xmlns:a16="http://schemas.microsoft.com/office/drawing/2014/main" id="{0514BA13-8700-4D1A-99FB-F837A144A957}"/>
-              </a:ext>
-            </a:extLst>
-          </p:cNvPr>
-          <p:cNvSpPr txBox="1"/>
+      <p:cxnSp>
+        <p:nvCxnSpPr>
+          <p:cNvPr id="58" name="Straight Connector 57">
+            <a:extLst>
+              <a:ext uri="{FF2B5EF4-FFF2-40B4-BE49-F238E27FC236}">
+                <a16:creationId xmlns:a16="http://schemas.microsoft.com/office/drawing/2014/main" id="{57B80D4E-84BA-4406-90FF-31C5D2FE6EF0}"/>
+              </a:ext>
+            </a:extLst>
+          </p:cNvPr>
+          <p:cNvCxnSpPr>
+            <a:cxnSpLocks/>
+            <a:stCxn id="25" idx="0"/>
+          </p:cNvCxnSpPr>
           <p:nvPr/>
-        </p:nvSpPr>
+        </p:nvCxnSpPr>
         <p:spPr>
-          <a:xfrm>
-            <a:off x="9923417" y="5495107"/>
-            <a:ext cx="1439818" cy="646331"/>
+          <a:xfrm flipH="1" flipV="1">
+            <a:off x="8934994" y="3487784"/>
+            <a:ext cx="1626802" cy="2455814"/>
           </a:xfrm>
-          <a:prstGeom prst="rect">
+          <a:prstGeom prst="line">
             <a:avLst/>
           </a:prstGeom>
-          <a:noFill/>
+          <a:ln w="28575">
+            <a:solidFill>
+              <a:schemeClr val="tx1"/>
+            </a:solidFill>
+          </a:ln>
         </p:spPr>
-        <p:txBody>
-          <a:bodyPr wrap="none" rtlCol="0">
-            <a:spAutoFit/>
-          </a:bodyPr>
-          <a:lstStyle/>
-          <a:p>
-            <a:pPr algn="ctr"/>
-            <a:r>
-              <a:rPr lang="de-DE" dirty="0"/>
-              <a:t>5. Set </a:t>
-            </a:r>
-            <a:r>
-              <a:rPr lang="de-DE" dirty="0" err="1"/>
-              <a:t>colors</a:t>
-            </a:r>
-            <a:endParaRPr lang="de-DE" dirty="0"/>
-          </a:p>
-          <a:p>
-            <a:pPr algn="ctr"/>
-            <a:r>
-              <a:rPr lang="de-DE" dirty="0"/>
-              <a:t>(double </a:t>
-            </a:r>
-            <a:r>
-              <a:rPr lang="de-DE" dirty="0" err="1"/>
-              <a:t>click</a:t>
-            </a:r>
-            <a:r>
-              <a:rPr lang="de-DE" dirty="0"/>
-              <a:t>)</a:t>
-            </a:r>
-          </a:p>
-        </p:txBody>
-      </p:sp>
-      <p:sp>
-        <p:nvSpPr>
-          <p:cNvPr id="55" name="TextBox 54">
-            <a:extLst>
-              <a:ext uri="{FF2B5EF4-FFF2-40B4-BE49-F238E27FC236}">
-                <a16:creationId xmlns:a16="http://schemas.microsoft.com/office/drawing/2014/main" id="{ABC9BBA3-AE82-4552-B111-826BB7FD0643}"/>
-              </a:ext>
-            </a:extLst>
-          </p:cNvPr>
-          <p:cNvSpPr txBox="1"/>
-          <p:nvPr/>
-        </p:nvSpPr>
-        <p:spPr>
-          <a:xfrm>
-            <a:off x="557349" y="1079862"/>
-            <a:ext cx="5490755" cy="369332"/>
-          </a:xfrm>
-          <a:prstGeom prst="rect">
-            <a:avLst/>
-          </a:prstGeom>
-          <a:noFill/>
-        </p:spPr>
-        <p:txBody>
-          <a:bodyPr wrap="square" rtlCol="0">
-            <a:spAutoFit/>
-          </a:bodyPr>
-          <a:lstStyle/>
-          <a:p>
-            <a:r>
-              <a:rPr lang="de-DE" dirty="0"/>
-              <a:t>Byte/</a:t>
-            </a:r>
-            <a:r>
-              <a:rPr lang="de-DE" dirty="0" err="1"/>
-              <a:t>Int</a:t>
-            </a:r>
-            <a:r>
-              <a:rPr lang="de-DE" dirty="0"/>
-              <a:t> Raster Layer </a:t>
-            </a:r>
-            <a:r>
-              <a:rPr lang="de-DE" dirty="0" err="1"/>
-              <a:t>with</a:t>
-            </a:r>
-            <a:r>
-              <a:rPr lang="de-DE" dirty="0"/>
-              <a:t> </a:t>
-            </a:r>
-            <a:r>
-              <a:rPr lang="de-DE" dirty="0" err="1"/>
-              <a:t>colorized</a:t>
-            </a:r>
-            <a:r>
-              <a:rPr lang="de-DE" dirty="0"/>
-              <a:t> </a:t>
-            </a:r>
-            <a:r>
-              <a:rPr lang="de-DE" dirty="0" err="1"/>
-              <a:t>bit</a:t>
-            </a:r>
-            <a:r>
-              <a:rPr lang="de-DE" dirty="0"/>
-              <a:t> </a:t>
-            </a:r>
-            <a:r>
-              <a:rPr lang="de-DE" dirty="0" err="1"/>
-              <a:t>flags</a:t>
-            </a:r>
-            <a:endParaRPr lang="en-150" dirty="0"/>
-          </a:p>
-        </p:txBody>
-      </p:sp>
+        <p:style>
+          <a:lnRef idx="1">
+            <a:schemeClr val="accent1"/>
+          </a:lnRef>
+          <a:fillRef idx="0">
+            <a:schemeClr val="accent1"/>
+          </a:fillRef>
+          <a:effectRef idx="0">
+            <a:schemeClr val="accent1"/>
+          </a:effectRef>
+          <a:fontRef idx="minor">
+            <a:schemeClr val="tx1"/>
+          </a:fontRef>
+        </p:style>
+      </p:cxnSp>
     </p:spTree>
     <p:extLst>
       <p:ext uri="{BB962C8B-B14F-4D97-AF65-F5344CB8AC3E}">
